--- a/Reportar Resultados.pptx
+++ b/Reportar Resultados.pptx
@@ -5080,7 +5080,7 @@
               </a:defRPr>
             </a:pPr>
             <a:r>
-              <a:t>2024-02-06</a:t>
+              <a:t>2024-03-04</a:t>
             </a:r>
           </a:p>
         </p:txBody>
